--- a/Examples/Data/Charts/resultchart.pptx
+++ b/Examples/Data/Charts/resultchart.pptx
@@ -1,6 +1,6 @@
 
 <file path=ppt/presentation.xml><?xml version="1.0" encoding="utf-8"?>
-<!--Generated by Aspose.Slides for .NET 19.6-->
+<!--Generated by Aspose.Slides for .NET 21.12-->
 <p:presentation xmlns:r="http://schemas.openxmlformats.org/officeDocument/2006/relationships" xmlns:a="http://schemas.openxmlformats.org/drawingml/2006/main" xmlns:p="http://schemas.openxmlformats.org/presentationml/2006/main" saveSubsetFonts="1">
   <p:sldMasterIdLst>
     <p:sldMasterId id="2147483648" r:id="rId1"/>
@@ -112,7 +112,7 @@
 </file>
 
 <file path=ppt/charts/chart1.xml><?xml version="1.0" encoding="utf-8"?>
-<c:chartSpace xmlns:a="http://schemas.openxmlformats.org/drawingml/2006/main" xmlns:r="http://schemas.openxmlformats.org/officeDocument/2006/relationships" xmlns:c="http://schemas.openxmlformats.org/drawingml/2006/chart">
+<c:chartSpace xmlns:a="http://schemas.openxmlformats.org/drawingml/2006/main" xmlns:r="http://schemas.openxmlformats.org/officeDocument/2006/relationships" xmlns:m="http://schemas.openxmlformats.org/officeDocument/2006/math" xmlns:w="http://schemas.openxmlformats.org/wordprocessingml/2006/main" xmlns:wp="http://schemas.openxmlformats.org/drawingml/2006/wordprocessingDrawing" xmlns:a14="http://schemas.microsoft.com/office/drawing/2010/main" xmlns:c="http://schemas.openxmlformats.org/drawingml/2006/chart">
   <c:date1904 val="0"/>
   <c:lang val="ru-RU"/>
   <c:roundedCorners val="0"/>
@@ -381,7 +381,7 @@
 </file>
 
 <file path=ppt/charts/chart2.xml><?xml version="1.0" encoding="utf-8"?>
-<c:chartSpace xmlns:a="http://schemas.openxmlformats.org/drawingml/2006/main" xmlns:r="http://schemas.openxmlformats.org/officeDocument/2006/relationships" xmlns:c="http://schemas.openxmlformats.org/drawingml/2006/chart">
+<c:chartSpace xmlns:a="http://schemas.openxmlformats.org/drawingml/2006/main" xmlns:r="http://schemas.openxmlformats.org/officeDocument/2006/relationships" xmlns:m="http://schemas.openxmlformats.org/officeDocument/2006/math" xmlns:w="http://schemas.openxmlformats.org/wordprocessingml/2006/main" xmlns:wp="http://schemas.openxmlformats.org/drawingml/2006/wordprocessingDrawing" xmlns:a14="http://schemas.microsoft.com/office/drawing/2010/main" xmlns:c="http://schemas.openxmlformats.org/drawingml/2006/chart">
   <c:date1904 val="0"/>
   <c:lang val="ru-RU"/>
   <c:roundedCorners val="0"/>
@@ -639,7 +639,7 @@
 </file>
 
 <file path=ppt/charts/chart3.xml><?xml version="1.0" encoding="utf-8"?>
-<c:chartSpace xmlns:a="http://schemas.openxmlformats.org/drawingml/2006/main" xmlns:r="http://schemas.openxmlformats.org/officeDocument/2006/relationships" xmlns:c="http://schemas.openxmlformats.org/drawingml/2006/chart">
+<c:chartSpace xmlns:a="http://schemas.openxmlformats.org/drawingml/2006/main" xmlns:r="http://schemas.openxmlformats.org/officeDocument/2006/relationships" xmlns:m="http://schemas.openxmlformats.org/officeDocument/2006/math" xmlns:w="http://schemas.openxmlformats.org/wordprocessingml/2006/main" xmlns:wp="http://schemas.openxmlformats.org/drawingml/2006/wordprocessingDrawing" xmlns:a14="http://schemas.microsoft.com/office/drawing/2010/main" xmlns:c="http://schemas.openxmlformats.org/drawingml/2006/chart">
   <c:date1904 val="0"/>
   <c:lang val="ru-RU"/>
   <c:roundedCorners val="0"/>
@@ -681,7 +681,12 @@
             <c:showSerName val="0"/>
             <c:showPercent val="0"/>
             <c:showBubbleSize val="0"/>
-            <c:extLst/>
+            <c:showLeaderLines val="0"/>
+            <c:extLst>
+              <c:ext xmlns:c15="http://schemas.microsoft.com/office/drawing/2012/chart" uri="{CE6537A1-D6FC-4f65-9D91-7224C49458BB}">
+                <c15:showDataLabelsRange val="1"/>
+              </c:ext>
+            </c:extLst>
           </c:dLbls>
           <c:xVal>
             <c:numRef>
@@ -823,7 +828,7 @@
 </file>
 
 <file path=ppt/slideLayouts/slideLayout1.xml><?xml version="1.0" encoding="utf-8"?>
-<p:sldLayout xmlns:a="http://schemas.openxmlformats.org/drawingml/2006/main" xmlns:r="http://schemas.openxmlformats.org/officeDocument/2006/relationships" xmlns:p14="http://schemas.microsoft.com/office/powerpoint/2010/main" xmlns:a14="http://schemas.microsoft.com/office/drawing/2010/main" xmlns:p15="http://schemas.microsoft.com/office/powerpoint/2012/main" xmlns:p159="http://schemas.microsoft.com/office/powerpoint/2015/09/main" xmlns:p="http://schemas.openxmlformats.org/presentationml/2006/main" type="title" preserve="1">
+<p:sldLayout xmlns:a="http://schemas.openxmlformats.org/drawingml/2006/main" xmlns:r="http://schemas.openxmlformats.org/officeDocument/2006/relationships" xmlns:m="http://schemas.openxmlformats.org/officeDocument/2006/math" xmlns:w="http://schemas.openxmlformats.org/wordprocessingml/2006/main" xmlns:wp="http://schemas.openxmlformats.org/drawingml/2006/wordprocessingDrawing" xmlns:a14="http://schemas.microsoft.com/office/drawing/2010/main" xmlns:mc="http://schemas.openxmlformats.org/markup-compatibility/2006" xmlns:p14="http://schemas.microsoft.com/office/powerpoint/2010/main" xmlns:p15="http://schemas.microsoft.com/office/powerpoint/2012/main" xmlns:p159="http://schemas.microsoft.com/office/powerpoint/2015/09/main" xmlns:p="http://schemas.openxmlformats.org/presentationml/2006/main" type="title" preserve="1">
   <p:cSld name="Title Slide">
     <p:spTree>
       <p:nvGrpSpPr>
@@ -1050,7 +1055,7 @@
 </file>
 
 <file path=ppt/slideLayouts/slideLayout10.xml><?xml version="1.0" encoding="utf-8"?>
-<p:sldLayout xmlns:a="http://schemas.openxmlformats.org/drawingml/2006/main" xmlns:r="http://schemas.openxmlformats.org/officeDocument/2006/relationships" xmlns:p14="http://schemas.microsoft.com/office/powerpoint/2010/main" xmlns:a14="http://schemas.microsoft.com/office/drawing/2010/main" xmlns:p15="http://schemas.microsoft.com/office/powerpoint/2012/main" xmlns:p159="http://schemas.microsoft.com/office/powerpoint/2015/09/main" xmlns:p="http://schemas.openxmlformats.org/presentationml/2006/main" type="vertTx" preserve="1">
+<p:sldLayout xmlns:a="http://schemas.openxmlformats.org/drawingml/2006/main" xmlns:r="http://schemas.openxmlformats.org/officeDocument/2006/relationships" xmlns:m="http://schemas.openxmlformats.org/officeDocument/2006/math" xmlns:w="http://schemas.openxmlformats.org/wordprocessingml/2006/main" xmlns:wp="http://schemas.openxmlformats.org/drawingml/2006/wordprocessingDrawing" xmlns:a14="http://schemas.microsoft.com/office/drawing/2010/main" xmlns:mc="http://schemas.openxmlformats.org/markup-compatibility/2006" xmlns:p14="http://schemas.microsoft.com/office/powerpoint/2010/main" xmlns:p15="http://schemas.microsoft.com/office/powerpoint/2012/main" xmlns:p159="http://schemas.microsoft.com/office/powerpoint/2015/09/main" xmlns:p="http://schemas.openxmlformats.org/presentationml/2006/main" type="vertTx" preserve="1">
   <p:cSld name="Title and Vertical Text">
     <p:spTree>
       <p:nvGrpSpPr>
@@ -1214,7 +1219,7 @@
 </file>
 
 <file path=ppt/slideLayouts/slideLayout11.xml><?xml version="1.0" encoding="utf-8"?>
-<p:sldLayout xmlns:a="http://schemas.openxmlformats.org/drawingml/2006/main" xmlns:r="http://schemas.openxmlformats.org/officeDocument/2006/relationships" xmlns:p14="http://schemas.microsoft.com/office/powerpoint/2010/main" xmlns:a14="http://schemas.microsoft.com/office/drawing/2010/main" xmlns:p15="http://schemas.microsoft.com/office/powerpoint/2012/main" xmlns:p159="http://schemas.microsoft.com/office/powerpoint/2015/09/main" xmlns:p="http://schemas.openxmlformats.org/presentationml/2006/main" type="vertTitleAndTx" preserve="1">
+<p:sldLayout xmlns:a="http://schemas.openxmlformats.org/drawingml/2006/main" xmlns:r="http://schemas.openxmlformats.org/officeDocument/2006/relationships" xmlns:m="http://schemas.openxmlformats.org/officeDocument/2006/math" xmlns:w="http://schemas.openxmlformats.org/wordprocessingml/2006/main" xmlns:wp="http://schemas.openxmlformats.org/drawingml/2006/wordprocessingDrawing" xmlns:a14="http://schemas.microsoft.com/office/drawing/2010/main" xmlns:mc="http://schemas.openxmlformats.org/markup-compatibility/2006" xmlns:p14="http://schemas.microsoft.com/office/powerpoint/2010/main" xmlns:p15="http://schemas.microsoft.com/office/powerpoint/2012/main" xmlns:p159="http://schemas.microsoft.com/office/powerpoint/2015/09/main" xmlns:p="http://schemas.openxmlformats.org/presentationml/2006/main" type="vertTitleAndTx" preserve="1">
   <p:cSld name="Vertical Title and Text">
     <p:spTree>
       <p:nvGrpSpPr>
@@ -1378,7 +1383,7 @@
 </file>
 
 <file path=ppt/slideLayouts/slideLayout2.xml><?xml version="1.0" encoding="utf-8"?>
-<p:sldLayout xmlns:a="http://schemas.openxmlformats.org/drawingml/2006/main" xmlns:r="http://schemas.openxmlformats.org/officeDocument/2006/relationships" xmlns:p14="http://schemas.microsoft.com/office/powerpoint/2010/main" xmlns:a14="http://schemas.microsoft.com/office/drawing/2010/main" xmlns:p15="http://schemas.microsoft.com/office/powerpoint/2012/main" xmlns:p159="http://schemas.microsoft.com/office/powerpoint/2015/09/main" xmlns:p="http://schemas.openxmlformats.org/presentationml/2006/main" type="obj" preserve="1">
+<p:sldLayout xmlns:a="http://schemas.openxmlformats.org/drawingml/2006/main" xmlns:r="http://schemas.openxmlformats.org/officeDocument/2006/relationships" xmlns:m="http://schemas.openxmlformats.org/officeDocument/2006/math" xmlns:w="http://schemas.openxmlformats.org/wordprocessingml/2006/main" xmlns:wp="http://schemas.openxmlformats.org/drawingml/2006/wordprocessingDrawing" xmlns:a14="http://schemas.microsoft.com/office/drawing/2010/main" xmlns:mc="http://schemas.openxmlformats.org/markup-compatibility/2006" xmlns:p14="http://schemas.microsoft.com/office/powerpoint/2010/main" xmlns:p15="http://schemas.microsoft.com/office/powerpoint/2012/main" xmlns:p159="http://schemas.microsoft.com/office/powerpoint/2015/09/main" xmlns:p="http://schemas.openxmlformats.org/presentationml/2006/main" type="obj" preserve="1">
   <p:cSld name="Title and Content">
     <p:spTree>
       <p:nvGrpSpPr>
@@ -1542,7 +1547,7 @@
 </file>
 
 <file path=ppt/slideLayouts/slideLayout3.xml><?xml version="1.0" encoding="utf-8"?>
-<p:sldLayout xmlns:a="http://schemas.openxmlformats.org/drawingml/2006/main" xmlns:r="http://schemas.openxmlformats.org/officeDocument/2006/relationships" xmlns:p14="http://schemas.microsoft.com/office/powerpoint/2010/main" xmlns:a14="http://schemas.microsoft.com/office/drawing/2010/main" xmlns:p15="http://schemas.microsoft.com/office/powerpoint/2012/main" xmlns:p159="http://schemas.microsoft.com/office/powerpoint/2015/09/main" xmlns:p="http://schemas.openxmlformats.org/presentationml/2006/main" type="secHead" preserve="1">
+<p:sldLayout xmlns:a="http://schemas.openxmlformats.org/drawingml/2006/main" xmlns:r="http://schemas.openxmlformats.org/officeDocument/2006/relationships" xmlns:m="http://schemas.openxmlformats.org/officeDocument/2006/math" xmlns:w="http://schemas.openxmlformats.org/wordprocessingml/2006/main" xmlns:wp="http://schemas.openxmlformats.org/drawingml/2006/wordprocessingDrawing" xmlns:a14="http://schemas.microsoft.com/office/drawing/2010/main" xmlns:mc="http://schemas.openxmlformats.org/markup-compatibility/2006" xmlns:p14="http://schemas.microsoft.com/office/powerpoint/2010/main" xmlns:p15="http://schemas.microsoft.com/office/powerpoint/2012/main" xmlns:p159="http://schemas.microsoft.com/office/powerpoint/2015/09/main" xmlns:p="http://schemas.openxmlformats.org/presentationml/2006/main" type="secHead" preserve="1">
   <p:cSld name="Section Header">
     <p:spTree>
       <p:nvGrpSpPr>
@@ -1772,7 +1777,7 @@
 </file>
 
 <file path=ppt/slideLayouts/slideLayout4.xml><?xml version="1.0" encoding="utf-8"?>
-<p:sldLayout xmlns:a="http://schemas.openxmlformats.org/drawingml/2006/main" xmlns:r="http://schemas.openxmlformats.org/officeDocument/2006/relationships" xmlns:p14="http://schemas.microsoft.com/office/powerpoint/2010/main" xmlns:a14="http://schemas.microsoft.com/office/drawing/2010/main" xmlns:p15="http://schemas.microsoft.com/office/powerpoint/2012/main" xmlns:p159="http://schemas.microsoft.com/office/powerpoint/2015/09/main" xmlns:p="http://schemas.openxmlformats.org/presentationml/2006/main" type="twoObj" preserve="1">
+<p:sldLayout xmlns:a="http://schemas.openxmlformats.org/drawingml/2006/main" xmlns:r="http://schemas.openxmlformats.org/officeDocument/2006/relationships" xmlns:m="http://schemas.openxmlformats.org/officeDocument/2006/math" xmlns:w="http://schemas.openxmlformats.org/wordprocessingml/2006/main" xmlns:wp="http://schemas.openxmlformats.org/drawingml/2006/wordprocessingDrawing" xmlns:a14="http://schemas.microsoft.com/office/drawing/2010/main" xmlns:mc="http://schemas.openxmlformats.org/markup-compatibility/2006" xmlns:p14="http://schemas.microsoft.com/office/powerpoint/2010/main" xmlns:p15="http://schemas.microsoft.com/office/powerpoint/2012/main" xmlns:p159="http://schemas.microsoft.com/office/powerpoint/2015/09/main" xmlns:p="http://schemas.openxmlformats.org/presentationml/2006/main" type="twoObj" preserve="1">
   <p:cSld name="Two Content">
     <p:spTree>
       <p:nvGrpSpPr>
@@ -2043,7 +2048,7 @@
 </file>
 
 <file path=ppt/slideLayouts/slideLayout5.xml><?xml version="1.0" encoding="utf-8"?>
-<p:sldLayout xmlns:a="http://schemas.openxmlformats.org/drawingml/2006/main" xmlns:r="http://schemas.openxmlformats.org/officeDocument/2006/relationships" xmlns:p14="http://schemas.microsoft.com/office/powerpoint/2010/main" xmlns:a14="http://schemas.microsoft.com/office/drawing/2010/main" xmlns:p15="http://schemas.microsoft.com/office/powerpoint/2012/main" xmlns:p159="http://schemas.microsoft.com/office/powerpoint/2015/09/main" xmlns:p="http://schemas.openxmlformats.org/presentationml/2006/main" type="twoTxTwoObj" preserve="1">
+<p:sldLayout xmlns:a="http://schemas.openxmlformats.org/drawingml/2006/main" xmlns:r="http://schemas.openxmlformats.org/officeDocument/2006/relationships" xmlns:m="http://schemas.openxmlformats.org/officeDocument/2006/math" xmlns:w="http://schemas.openxmlformats.org/wordprocessingml/2006/main" xmlns:wp="http://schemas.openxmlformats.org/drawingml/2006/wordprocessingDrawing" xmlns:a14="http://schemas.microsoft.com/office/drawing/2010/main" xmlns:mc="http://schemas.openxmlformats.org/markup-compatibility/2006" xmlns:p14="http://schemas.microsoft.com/office/powerpoint/2010/main" xmlns:p15="http://schemas.microsoft.com/office/powerpoint/2012/main" xmlns:p159="http://schemas.microsoft.com/office/powerpoint/2015/09/main" xmlns:p="http://schemas.openxmlformats.org/presentationml/2006/main" type="twoTxTwoObj" preserve="1">
   <p:cSld name="Comparison">
     <p:spTree>
       <p:nvGrpSpPr>
@@ -2432,7 +2437,7 @@
 </file>
 
 <file path=ppt/slideLayouts/slideLayout6.xml><?xml version="1.0" encoding="utf-8"?>
-<p:sldLayout xmlns:a="http://schemas.openxmlformats.org/drawingml/2006/main" xmlns:r="http://schemas.openxmlformats.org/officeDocument/2006/relationships" xmlns:p14="http://schemas.microsoft.com/office/powerpoint/2010/main" xmlns:a14="http://schemas.microsoft.com/office/drawing/2010/main" xmlns:p15="http://schemas.microsoft.com/office/powerpoint/2012/main" xmlns:p159="http://schemas.microsoft.com/office/powerpoint/2015/09/main" xmlns:p="http://schemas.openxmlformats.org/presentationml/2006/main" type="titleOnly" preserve="1">
+<p:sldLayout xmlns:a="http://schemas.openxmlformats.org/drawingml/2006/main" xmlns:r="http://schemas.openxmlformats.org/officeDocument/2006/relationships" xmlns:m="http://schemas.openxmlformats.org/officeDocument/2006/math" xmlns:w="http://schemas.openxmlformats.org/wordprocessingml/2006/main" xmlns:wp="http://schemas.openxmlformats.org/drawingml/2006/wordprocessingDrawing" xmlns:a14="http://schemas.microsoft.com/office/drawing/2010/main" xmlns:mc="http://schemas.openxmlformats.org/markup-compatibility/2006" xmlns:p14="http://schemas.microsoft.com/office/powerpoint/2010/main" xmlns:p15="http://schemas.microsoft.com/office/powerpoint/2012/main" xmlns:p159="http://schemas.microsoft.com/office/powerpoint/2015/09/main" xmlns:p="http://schemas.openxmlformats.org/presentationml/2006/main" type="titleOnly" preserve="1">
   <p:cSld name="Title Only">
     <p:spTree>
       <p:nvGrpSpPr>
@@ -2545,7 +2550,7 @@
 </file>
 
 <file path=ppt/slideLayouts/slideLayout7.xml><?xml version="1.0" encoding="utf-8"?>
-<p:sldLayout xmlns:a="http://schemas.openxmlformats.org/drawingml/2006/main" xmlns:r="http://schemas.openxmlformats.org/officeDocument/2006/relationships" xmlns:p14="http://schemas.microsoft.com/office/powerpoint/2010/main" xmlns:a14="http://schemas.microsoft.com/office/drawing/2010/main" xmlns:p15="http://schemas.microsoft.com/office/powerpoint/2012/main" xmlns:p159="http://schemas.microsoft.com/office/powerpoint/2015/09/main" xmlns:p="http://schemas.openxmlformats.org/presentationml/2006/main" type="blank" preserve="1">
+<p:sldLayout xmlns:a="http://schemas.openxmlformats.org/drawingml/2006/main" xmlns:r="http://schemas.openxmlformats.org/officeDocument/2006/relationships" xmlns:m="http://schemas.openxmlformats.org/officeDocument/2006/math" xmlns:w="http://schemas.openxmlformats.org/wordprocessingml/2006/main" xmlns:wp="http://schemas.openxmlformats.org/drawingml/2006/wordprocessingDrawing" xmlns:a14="http://schemas.microsoft.com/office/drawing/2010/main" xmlns:mc="http://schemas.openxmlformats.org/markup-compatibility/2006" xmlns:p14="http://schemas.microsoft.com/office/powerpoint/2010/main" xmlns:p15="http://schemas.microsoft.com/office/powerpoint/2012/main" xmlns:p159="http://schemas.microsoft.com/office/powerpoint/2015/09/main" xmlns:p="http://schemas.openxmlformats.org/presentationml/2006/main" type="blank" preserve="1">
   <p:cSld name="Blank">
     <p:spTree>
       <p:nvGrpSpPr>
@@ -2635,7 +2640,7 @@
 </file>
 
 <file path=ppt/slideLayouts/slideLayout8.xml><?xml version="1.0" encoding="utf-8"?>
-<p:sldLayout xmlns:a="http://schemas.openxmlformats.org/drawingml/2006/main" xmlns:r="http://schemas.openxmlformats.org/officeDocument/2006/relationships" xmlns:p14="http://schemas.microsoft.com/office/powerpoint/2010/main" xmlns:a14="http://schemas.microsoft.com/office/drawing/2010/main" xmlns:p15="http://schemas.microsoft.com/office/powerpoint/2012/main" xmlns:p159="http://schemas.microsoft.com/office/powerpoint/2015/09/main" xmlns:p="http://schemas.openxmlformats.org/presentationml/2006/main" type="objTx" preserve="1">
+<p:sldLayout xmlns:a="http://schemas.openxmlformats.org/drawingml/2006/main" xmlns:r="http://schemas.openxmlformats.org/officeDocument/2006/relationships" xmlns:m="http://schemas.openxmlformats.org/officeDocument/2006/math" xmlns:w="http://schemas.openxmlformats.org/wordprocessingml/2006/main" xmlns:wp="http://schemas.openxmlformats.org/drawingml/2006/wordprocessingDrawing" xmlns:a14="http://schemas.microsoft.com/office/drawing/2010/main" xmlns:mc="http://schemas.openxmlformats.org/markup-compatibility/2006" xmlns:p14="http://schemas.microsoft.com/office/powerpoint/2010/main" xmlns:p15="http://schemas.microsoft.com/office/powerpoint/2012/main" xmlns:p159="http://schemas.microsoft.com/office/powerpoint/2015/09/main" xmlns:p="http://schemas.openxmlformats.org/presentationml/2006/main" type="objTx" preserve="1">
   <p:cSld name="Content with Caption">
     <p:spTree>
       <p:nvGrpSpPr>
@@ -2890,7 +2895,7 @@
 </file>
 
 <file path=ppt/slideLayouts/slideLayout9.xml><?xml version="1.0" encoding="utf-8"?>
-<p:sldLayout xmlns:a="http://schemas.openxmlformats.org/drawingml/2006/main" xmlns:r="http://schemas.openxmlformats.org/officeDocument/2006/relationships" xmlns:p14="http://schemas.microsoft.com/office/powerpoint/2010/main" xmlns:a14="http://schemas.microsoft.com/office/drawing/2010/main" xmlns:p15="http://schemas.microsoft.com/office/powerpoint/2012/main" xmlns:p159="http://schemas.microsoft.com/office/powerpoint/2015/09/main" xmlns:p="http://schemas.openxmlformats.org/presentationml/2006/main" type="picTx" preserve="1">
+<p:sldLayout xmlns:a="http://schemas.openxmlformats.org/drawingml/2006/main" xmlns:r="http://schemas.openxmlformats.org/officeDocument/2006/relationships" xmlns:m="http://schemas.openxmlformats.org/officeDocument/2006/math" xmlns:w="http://schemas.openxmlformats.org/wordprocessingml/2006/main" xmlns:wp="http://schemas.openxmlformats.org/drawingml/2006/wordprocessingDrawing" xmlns:a14="http://schemas.microsoft.com/office/drawing/2010/main" xmlns:mc="http://schemas.openxmlformats.org/markup-compatibility/2006" xmlns:p14="http://schemas.microsoft.com/office/powerpoint/2010/main" xmlns:p15="http://schemas.microsoft.com/office/powerpoint/2012/main" xmlns:p159="http://schemas.microsoft.com/office/powerpoint/2015/09/main" xmlns:p="http://schemas.openxmlformats.org/presentationml/2006/main" type="picTx" preserve="1">
   <p:cSld name="Picture with Caption">
     <p:spTree>
       <p:nvGrpSpPr>
@@ -3122,7 +3127,7 @@
 </file>
 
 <file path=ppt/slideMasters/slideMaster1.xml><?xml version="1.0" encoding="utf-8"?>
-<p:sldMaster xmlns:a="http://schemas.openxmlformats.org/drawingml/2006/main" xmlns:r="http://schemas.openxmlformats.org/officeDocument/2006/relationships" xmlns:p14="http://schemas.microsoft.com/office/powerpoint/2010/main" xmlns:a14="http://schemas.microsoft.com/office/drawing/2010/main" xmlns:p15="http://schemas.microsoft.com/office/powerpoint/2012/main" xmlns:p159="http://schemas.microsoft.com/office/powerpoint/2015/09/main" xmlns:p="http://schemas.openxmlformats.org/presentationml/2006/main">
+<p:sldMaster xmlns:a="http://schemas.openxmlformats.org/drawingml/2006/main" xmlns:r="http://schemas.openxmlformats.org/officeDocument/2006/relationships" xmlns:m="http://schemas.openxmlformats.org/officeDocument/2006/math" xmlns:w="http://schemas.openxmlformats.org/wordprocessingml/2006/main" xmlns:wp="http://schemas.openxmlformats.org/drawingml/2006/wordprocessingDrawing" xmlns:a14="http://schemas.microsoft.com/office/drawing/2010/main" xmlns:mc="http://schemas.openxmlformats.org/markup-compatibility/2006" xmlns:p14="http://schemas.microsoft.com/office/powerpoint/2010/main" xmlns:p15="http://schemas.microsoft.com/office/powerpoint/2012/main" xmlns:p159="http://schemas.microsoft.com/office/powerpoint/2015/09/main" xmlns:p="http://schemas.openxmlformats.org/presentationml/2006/main">
   <p:cSld>
     <p:bg>
       <p:bgRef idx="1001">
@@ -3626,7 +3631,7 @@
 </file>
 
 <file path=ppt/slides/slide1.xml><?xml version="1.0" encoding="utf-8"?>
-<p:sld xmlns:a="http://schemas.openxmlformats.org/drawingml/2006/main" xmlns:r="http://schemas.openxmlformats.org/officeDocument/2006/relationships" xmlns:p14="http://schemas.microsoft.com/office/powerpoint/2010/main" xmlns:a14="http://schemas.microsoft.com/office/drawing/2010/main" xmlns:p15="http://schemas.microsoft.com/office/powerpoint/2012/main" xmlns:p159="http://schemas.microsoft.com/office/powerpoint/2015/09/main" xmlns:p="http://schemas.openxmlformats.org/presentationml/2006/main">
+<p:sld xmlns:a="http://schemas.openxmlformats.org/drawingml/2006/main" xmlns:r="http://schemas.openxmlformats.org/officeDocument/2006/relationships" xmlns:m="http://schemas.openxmlformats.org/officeDocument/2006/math" xmlns:w="http://schemas.openxmlformats.org/wordprocessingml/2006/main" xmlns:wp="http://schemas.openxmlformats.org/drawingml/2006/wordprocessingDrawing" xmlns:a14="http://schemas.microsoft.com/office/drawing/2010/main" xmlns:mc="http://schemas.openxmlformats.org/markup-compatibility/2006" xmlns:p14="http://schemas.microsoft.com/office/powerpoint/2010/main" xmlns:p15="http://schemas.microsoft.com/office/powerpoint/2012/main" xmlns:p159="http://schemas.microsoft.com/office/powerpoint/2015/09/main" xmlns:p="http://schemas.openxmlformats.org/presentationml/2006/main">
   <p:cSld>
     <p:spTree>
       <p:nvGrpSpPr>
@@ -3674,7 +3679,7 @@
       </p:graphicFrame>
       <p:graphicFrame>
         <p:nvGraphicFramePr>
-          <p:cNvPr id="4" name="ChartObject"/>
+          <p:cNvPr id="4" name="ChartObject" title=""/>
           <p:cNvGraphicFramePr/>
           <p:nvPr/>
         </p:nvGraphicFramePr>
@@ -3688,6 +3693,77 @@
           </a:graphicData>
         </a:graphic>
       </p:graphicFrame>
+      <p:sp>
+        <p:nvSpPr>
+          <p:cNvPr id="5" name="TextBox"/>
+          <p:cNvSpPr txBox="1">
+            <a:spLocks noGrp="1" noSelect="1" noRot="1" noMove="1"/>
+          </p:cNvSpPr>
+          <p:nvPr/>
+        </p:nvSpPr>
+        <p:spPr>
+          <a:xfrm>
+            <a:off x="1366520" y="2644140"/>
+            <a:ext cx="6411372" cy="1569660"/>
+          </a:xfrm>
+          <a:prstGeom prst="rect">
+            <a:avLst/>
+          </a:prstGeom>
+          <a:noFill/>
+        </p:spPr>
+        <p:txBody>
+          <a:bodyPr wrap="none" rtlCol="0" anchor="ctr" anchorCtr="1">
+            <a:spAutoFit/>
+          </a:bodyPr>
+          <a:lstStyle>
+            <a:lvl1pPr algn="l">
+              <a:lnSpc>
+                <a:spcPct val="150000"/>
+              </a:lnSpc>
+              <a:spcBef>
+                <a:spcPct val="0"/>
+              </a:spcBef>
+              <a:spcAft>
+                <a:spcPct val="0"/>
+              </a:spcAft>
+              <a:defRPr lang="en-US" sz="3200" b="1" noProof="1" dirty="0">
+                <a:solidFill>
+                  <a:prstClr val="red">
+                    <a:lumOff val="30000"/>
+                    <a:alpha val="40000"/>
+                  </a:prstClr>
+                </a:solidFill>
+                <a:effectLst>
+                  <a:outerShdw blurRad="50800" dist="38100" algn="tr" rotWithShape="0">
+                    <a:prstClr val="black">
+                      <a:alpha val="80000"/>
+                    </a:prstClr>
+                  </a:outerShdw>
+                </a:effectLst>
+                <a:latin typeface="Calibri" pitchFamily="34" charset="0"/>
+              </a:defRPr>
+            </a:lvl1pPr>
+          </a:lstStyle>
+          <a:p>
+            <a:pPr algn="ctr"/>
+            <a:r>
+              <a:t>Evaluation only.</a:t>
+            </a:r>
+          </a:p>
+          <a:p>
+            <a:pPr algn="ctr"/>
+            <a:r>
+              <a:t>Created with Aspose.Slides for .NET 4.0 Client Profile 21.12.</a:t>
+            </a:r>
+          </a:p>
+          <a:p>
+            <a:pPr algn="ctr"/>
+            <a:r>
+              <a:t>Copyright 2004-2021Aspose Pty Ltd.</a:t>
+            </a:r>
+          </a:p>
+        </p:txBody>
+      </p:sp>
     </p:spTree>
   </p:cSld>
   <p:clrMapOvr>
@@ -3701,10 +3777,10 @@
 <file path=ppt/tags/tag1.xml><?xml version="1.0" encoding="utf-8"?>
 <p:tagLst xmlns:p="http://schemas.openxmlformats.org/presentationml/2006/main">
   <p:tag name="AS_NET" val="4.0.30319.42000"/>
-  <p:tag name="AS_OS" val="Microsoft Windows NT 6.2.9200.0"/>
-  <p:tag name="AS_RELEASE_DATE" val="2019.06.14"/>
+  <p:tag name="AS_OS" val="Microsoft Windows NT 6.3.9600.0"/>
+  <p:tag name="AS_RELEASE_DATE" val="2021.12.14"/>
   <p:tag name="AS_TITLE" val="Aspose.Slides for .NET 4.0 Client Profile"/>
-  <p:tag name="AS_VERSION" val="19.6"/>
+  <p:tag name="AS_VERSION" val="21.12"/>
 </p:tagLst>
 </file>
 
